--- a/InfoSec/PPTs/L12-CH12-OS Security.pptx
+++ b/InfoSec/PPTs/L12-CH12-OS Security.pptx
@@ -331,7 +331,7 @@
             <a:fld id="{999DDEF9-8F79-3F4A-8C1A-CB2E900DCD92}" type="datetimeFigureOut">
               <a:rPr lang="en-US" smtClean="0"/>
               <a:pPr/>
-              <a:t>4/21/2020</a:t>
+              <a:t>6/4/2020</a:t>
             </a:fld>
             <a:endParaRPr lang="en-US"/>
           </a:p>
@@ -1409,6 +1409,10 @@
             <a:br>
               <a:rPr lang="en-US" dirty="0"/>
             </a:br>
+            <a:r>
+              <a:rPr lang="en-US" dirty="0"/>
+              <a:t/>
+            </a:r>
             <a:br>
               <a:rPr lang="en-US" dirty="0"/>
             </a:br>
@@ -1432,6 +1436,10 @@
               </a:spcBef>
               <a:buNone/>
             </a:pPr>
+            <a:r>
+              <a:rPr lang="en-US" dirty="0"/>
+              <a:t/>
+            </a:r>
             <a:br>
               <a:rPr lang="en-US" dirty="0"/>
             </a:br>
@@ -1442,6 +1450,10 @@
             <a:br>
               <a:rPr lang="en-US" dirty="0"/>
             </a:br>
+            <a:r>
+              <a:rPr lang="en-US" dirty="0"/>
+              <a:t/>
+            </a:r>
             <a:br>
               <a:rPr lang="en-US" dirty="0"/>
             </a:br>
@@ -6761,6 +6773,13 @@
   <p:clrMapOvr>
     <a:masterClrMapping/>
   </p:clrMapOvr>
+  <p:timing>
+    <p:tnLst>
+      <p:par>
+        <p:cTn id="1" dur="indefinite" restart="never" nodeType="tmRoot"/>
+      </p:par>
+    </p:tnLst>
+  </p:timing>
 </p:sld>
 </file>
 
@@ -6960,6 +6979,13 @@
   <p:transition spd="slow">
     <p:cut/>
   </p:transition>
+  <p:timing>
+    <p:tnLst>
+      <p:par>
+        <p:cTn id="1" dur="indefinite" restart="never" nodeType="tmRoot"/>
+      </p:par>
+    </p:tnLst>
+  </p:timing>
 </p:sld>
 </file>
 
@@ -7208,6 +7234,13 @@
   <p:transition spd="slow">
     <p:cut/>
   </p:transition>
+  <p:timing>
+    <p:tnLst>
+      <p:par>
+        <p:cTn id="1" dur="indefinite" restart="never" nodeType="tmRoot"/>
+      </p:par>
+    </p:tnLst>
+  </p:timing>
 </p:sld>
 </file>
 
@@ -7287,13 +7320,29 @@
           <a:p>
             <a:r>
               <a:rPr lang="en-US" dirty="0"/>
-              <a:t>The OS Page Table maps logical virtual memory addresses (pages) into physical memory addresses (pages)</a:t>
-            </a:r>
-          </a:p>
-          <a:p>
+              <a:t>The OS Page Table maps logical virtual memory addresses (pages) into physical memory </a:t>
+            </a:r>
+            <a:r>
+              <a:rPr lang="en-US" dirty="0" smtClean="0"/>
+              <a:t>addresses </a:t>
+            </a:r>
             <a:r>
               <a:rPr lang="en-US" dirty="0"/>
-              <a:t>Memory spaces of different processes are mapped to different parts of the physical memory</a:t>
+              <a:t>(pages)</a:t>
+            </a:r>
+          </a:p>
+          <a:p>
+            <a:r>
+              <a:rPr lang="en-US" dirty="0"/>
+              <a:t>Memory spaces of </a:t>
+            </a:r>
+            <a:r>
+              <a:rPr lang="en-US" dirty="0" smtClean="0"/>
+              <a:t>different </a:t>
+            </a:r>
+            <a:r>
+              <a:rPr lang="en-US" dirty="0"/>
+              <a:t>processes are mapped to different parts of the physical memory</a:t>
             </a:r>
           </a:p>
           <a:p>
@@ -7403,6 +7452,13 @@
   <p:clrMapOvr>
     <a:masterClrMapping/>
   </p:clrMapOvr>
+  <p:timing>
+    <p:tnLst>
+      <p:par>
+        <p:cTn id="1" dur="indefinite" restart="never" nodeType="tmRoot"/>
+      </p:par>
+    </p:tnLst>
+  </p:timing>
 </p:sld>
 </file>
 
@@ -7521,10 +7577,7 @@
             <a:endParaRPr sz="2400" dirty="0"/>
           </a:p>
           <a:p>
-            <a:pPr marL="342900" indent="-171450">
-              <a:lnSpc>
-                <a:spcPct val="100000"/>
-              </a:lnSpc>
+            <a:pPr indent="-171450">
               <a:spcBef>
                 <a:spcPts val="0"/>
               </a:spcBef>
@@ -7534,7 +7587,23 @@
             </a:pPr>
             <a:r>
               <a:rPr lang="en-US" sz="2400" dirty="0"/>
-              <a:t>RWX bits on pages limit </a:t>
+              <a:t>RWX bits </a:t>
+            </a:r>
+            <a:r>
+              <a:rPr lang="en-US" sz="2400" dirty="0" smtClean="0"/>
+              <a:t>on</a:t>
+            </a:r>
+            <a:r>
+              <a:rPr lang="en-SE" sz="2400" dirty="0" smtClean="0"/>
+              <a:t> </a:t>
+            </a:r>
+            <a:r>
+              <a:rPr lang="en-US" sz="2400" dirty="0"/>
+              <a:t>physical memory </a:t>
+            </a:r>
+            <a:r>
+              <a:rPr lang="en-US" sz="2400" dirty="0"/>
+              <a:t>pages limit </a:t>
             </a:r>
             <a:r>
               <a:rPr lang="en-US" sz="2400" b="1" dirty="0">
@@ -7617,6 +7686,13 @@
   <p:transition spd="slow">
     <p:cut/>
   </p:transition>
+  <p:timing>
+    <p:tnLst>
+      <p:par>
+        <p:cTn id="1" dur="indefinite" restart="never" nodeType="tmRoot"/>
+      </p:par>
+    </p:tnLst>
+  </p:timing>
 </p:sld>
 </file>
 
@@ -7778,6 +7854,13 @@
   <p:clrMapOvr>
     <a:masterClrMapping/>
   </p:clrMapOvr>
+  <p:timing>
+    <p:tnLst>
+      <p:par>
+        <p:cTn id="1" dur="indefinite" restart="never" nodeType="tmRoot"/>
+      </p:par>
+    </p:tnLst>
+  </p:timing>
 </p:sld>
 </file>
 
@@ -7935,6 +8018,13 @@
   <p:transition spd="slow">
     <p:cut/>
   </p:transition>
+  <p:timing>
+    <p:tnLst>
+      <p:par>
+        <p:cTn id="1" dur="indefinite" restart="never" nodeType="tmRoot"/>
+      </p:par>
+    </p:tnLst>
+  </p:timing>
 </p:sld>
 </file>
 
@@ -8217,6 +8307,13 @@
   <p:transition spd="slow">
     <p:cut/>
   </p:transition>
+  <p:timing>
+    <p:tnLst>
+      <p:par>
+        <p:cTn id="1" dur="indefinite" restart="never" nodeType="tmRoot"/>
+      </p:par>
+    </p:tnLst>
+  </p:timing>
 </p:sld>
 </file>
 
@@ -8301,8 +8398,17 @@
             </a:pPr>
             <a:r>
               <a:rPr lang="en-US" dirty="0"/>
-              <a:t>Switching CPU from one process to another when a process blocks.</a:t>
-            </a:r>
+              <a:t>Switching CPU from one process to another when a process blocks</a:t>
+            </a:r>
+            <a:r>
+              <a:rPr lang="en-US" dirty="0" smtClean="0"/>
+              <a:t>.</a:t>
+            </a:r>
+            <a:r>
+              <a:rPr lang="en-SE" dirty="0" smtClean="0"/>
+              <a:t> (scheduler)</a:t>
+            </a:r>
+            <a:endParaRPr lang="en-US" dirty="0"/>
           </a:p>
           <a:p>
             <a:pPr marL="971550" lvl="1" indent="-514350">
@@ -8398,6 +8504,13 @@
   <p:clrMapOvr>
     <a:masterClrMapping/>
   </p:clrMapOvr>
+  <p:timing>
+    <p:tnLst>
+      <p:par>
+        <p:cTn id="1" dur="indefinite" restart="never" nodeType="tmRoot"/>
+      </p:par>
+    </p:tnLst>
+  </p:timing>
 </p:sld>
 </file>
 
@@ -8524,6 +8637,13 @@
   <p:clrMapOvr>
     <a:masterClrMapping/>
   </p:clrMapOvr>
+  <p:timing>
+    <p:tnLst>
+      <p:par>
+        <p:cTn id="1" dur="indefinite" restart="never" nodeType="tmRoot"/>
+      </p:par>
+    </p:tnLst>
+  </p:timing>
 </p:sld>
 </file>
 
@@ -8745,6 +8865,13 @@
   <p:transition spd="slow">
     <p:cut/>
   </p:transition>
+  <p:timing>
+    <p:tnLst>
+      <p:par>
+        <p:cTn id="1" dur="indefinite" restart="never" nodeType="tmRoot"/>
+      </p:par>
+    </p:tnLst>
+  </p:timing>
 </p:sld>
 </file>
 
@@ -8884,6 +9011,13 @@
   <p:clrMapOvr>
     <a:masterClrMapping/>
   </p:clrMapOvr>
+  <p:timing>
+    <p:tnLst>
+      <p:par>
+        <p:cTn id="1" dur="indefinite" restart="never" nodeType="tmRoot"/>
+      </p:par>
+    </p:tnLst>
+  </p:timing>
 </p:sld>
 </file>
 
@@ -9063,7 +9197,31 @@
                   <a:srgbClr val="6B9462"/>
                 </a:solidFill>
               </a:rPr>
-              <a:t>cannot access physical resources </a:t>
+              <a:t>cannot access physical </a:t>
+            </a:r>
+            <a:r>
+              <a:rPr lang="en-US" sz="2400" dirty="0" smtClean="0">
+                <a:solidFill>
+                  <a:srgbClr val="6B9462"/>
+                </a:solidFill>
+              </a:rPr>
+              <a:t>resources</a:t>
+            </a:r>
+            <a:r>
+              <a:rPr lang="en-SE" sz="2400" dirty="0" smtClean="0">
+                <a:solidFill>
+                  <a:srgbClr val="6B9462"/>
+                </a:solidFill>
+              </a:rPr>
+              <a:t> directly</a:t>
+            </a:r>
+            <a:r>
+              <a:rPr lang="en-US" sz="2400" dirty="0" smtClean="0">
+                <a:solidFill>
+                  <a:srgbClr val="6B9462"/>
+                </a:solidFill>
+              </a:rPr>
+              <a:t> </a:t>
             </a:r>
             <a:r>
               <a:rPr lang="en-US" sz="2400" dirty="0">
@@ -9100,6 +9258,13 @@
   <p:transition spd="slow">
     <p:cut/>
   </p:transition>
+  <p:timing>
+    <p:tnLst>
+      <p:par>
+        <p:cTn id="1" dur="indefinite" restart="never" nodeType="tmRoot"/>
+      </p:par>
+    </p:tnLst>
+  </p:timing>
 </p:sld>
 </file>
 
@@ -9251,6 +9416,13 @@
   <p:clrMapOvr>
     <a:masterClrMapping/>
   </p:clrMapOvr>
+  <p:timing>
+    <p:tnLst>
+      <p:par>
+        <p:cTn id="1" dur="indefinite" restart="never" nodeType="tmRoot"/>
+      </p:par>
+    </p:tnLst>
+  </p:timing>
 </p:sld>
 </file>
 
@@ -9475,6 +9647,13 @@
   <p:transition spd="slow">
     <p:cut/>
   </p:transition>
+  <p:timing>
+    <p:tnLst>
+      <p:par>
+        <p:cTn id="1" dur="indefinite" restart="never" nodeType="tmRoot"/>
+      </p:par>
+    </p:tnLst>
+  </p:timing>
 </p:sld>
 </file>
 
@@ -9698,6 +9877,13 @@
   <p:transition spd="slow">
     <p:cut/>
   </p:transition>
+  <p:timing>
+    <p:tnLst>
+      <p:par>
+        <p:cTn id="1" dur="indefinite" restart="never" nodeType="tmRoot"/>
+      </p:par>
+    </p:tnLst>
+  </p:timing>
 </p:sld>
 </file>
 
@@ -9797,8 +9983,17 @@
             <a:pPr lvl="1"/>
             <a:r>
               <a:rPr lang="en-US" dirty="0"/>
-              <a:t>KVM, VMWare</a:t>
-            </a:r>
+              <a:t>KVM, </a:t>
+            </a:r>
+            <a:r>
+              <a:rPr lang="en-US" dirty="0" smtClean="0"/>
+              <a:t>VMWare</a:t>
+            </a:r>
+            <a:r>
+              <a:rPr lang="en-SE" dirty="0" smtClean="0"/>
+              <a:t>, VirtualBox</a:t>
+            </a:r>
+            <a:endParaRPr lang="en-US" dirty="0"/>
           </a:p>
           <a:p>
             <a:r>
@@ -9893,6 +10088,13 @@
   <p:clrMapOvr>
     <a:masterClrMapping/>
   </p:clrMapOvr>
+  <p:timing>
+    <p:tnLst>
+      <p:par>
+        <p:cTn id="1" dur="indefinite" restart="never" nodeType="tmRoot"/>
+      </p:par>
+    </p:tnLst>
+  </p:timing>
 </p:sld>
 </file>
 
@@ -10019,6 +10221,13 @@
   <p:clrMapOvr>
     <a:masterClrMapping/>
   </p:clrMapOvr>
+  <p:timing>
+    <p:tnLst>
+      <p:par>
+        <p:cTn id="1" dur="indefinite" restart="never" nodeType="tmRoot"/>
+      </p:par>
+    </p:tnLst>
+  </p:timing>
 </p:sld>
 </file>
 
@@ -10210,6 +10419,13 @@
   <p:transition spd="slow">
     <p:cut/>
   </p:transition>
+  <p:timing>
+    <p:tnLst>
+      <p:par>
+        <p:cTn id="1" dur="indefinite" restart="never" nodeType="tmRoot"/>
+      </p:par>
+    </p:tnLst>
+  </p:timing>
 </p:sld>
 </file>
 
@@ -10375,6 +10591,13 @@
   <p:clrMapOvr>
     <a:masterClrMapping/>
   </p:clrMapOvr>
+  <p:timing>
+    <p:tnLst>
+      <p:par>
+        <p:cTn id="1" dur="indefinite" restart="never" nodeType="tmRoot"/>
+      </p:par>
+    </p:tnLst>
+  </p:timing>
 </p:sld>
 </file>
 
@@ -10517,6 +10740,13 @@
   <p:clrMapOvr>
     <a:masterClrMapping/>
   </p:clrMapOvr>
+  <p:timing>
+    <p:tnLst>
+      <p:par>
+        <p:cTn id="1" dur="indefinite" restart="never" nodeType="tmRoot"/>
+      </p:par>
+    </p:tnLst>
+  </p:timing>
 </p:sld>
 </file>
 
@@ -10716,6 +10946,13 @@
   <p:transition spd="slow">
     <p:cut/>
   </p:transition>
+  <p:timing>
+    <p:tnLst>
+      <p:par>
+        <p:cTn id="1" dur="indefinite" restart="never" nodeType="tmRoot"/>
+      </p:par>
+    </p:tnLst>
+  </p:timing>
 </p:sld>
 </file>
 
@@ -10894,6 +11131,13 @@
   <p:clrMapOvr>
     <a:masterClrMapping/>
   </p:clrMapOvr>
+  <p:timing>
+    <p:tnLst>
+      <p:par>
+        <p:cTn id="1" dur="indefinite" restart="never" nodeType="tmRoot"/>
+      </p:par>
+    </p:tnLst>
+  </p:timing>
 </p:sld>
 </file>
 
@@ -11048,6 +11292,13 @@
   <p:clrMapOvr>
     <a:masterClrMapping/>
   </p:clrMapOvr>
+  <p:timing>
+    <p:tnLst>
+      <p:par>
+        <p:cTn id="1" dur="indefinite" restart="never" nodeType="tmRoot"/>
+      </p:par>
+    </p:tnLst>
+  </p:timing>
 </p:sld>
 </file>
 
@@ -11211,6 +11462,13 @@
   <p:clrMapOvr>
     <a:masterClrMapping/>
   </p:clrMapOvr>
+  <p:timing>
+    <p:tnLst>
+      <p:par>
+        <p:cTn id="1" dur="indefinite" restart="never" nodeType="tmRoot"/>
+      </p:par>
+    </p:tnLst>
+  </p:timing>
 </p:sld>
 </file>
 
@@ -11337,6 +11595,13 @@
   <p:clrMapOvr>
     <a:masterClrMapping/>
   </p:clrMapOvr>
+  <p:timing>
+    <p:tnLst>
+      <p:par>
+        <p:cTn id="1" dur="indefinite" restart="never" nodeType="tmRoot"/>
+      </p:par>
+    </p:tnLst>
+  </p:timing>
 </p:sld>
 </file>
 
@@ -11477,8 +11742,29 @@
                   <a:schemeClr val="dk1"/>
                 </a:solidFill>
               </a:rPr>
-              <a:t>Hardware support for memory protection</a:t>
-            </a:r>
+              <a:t>Hardware support for memory </a:t>
+            </a:r>
+            <a:r>
+              <a:rPr lang="en-US" sz="2400" dirty="0" smtClean="0">
+                <a:solidFill>
+                  <a:schemeClr val="dk1"/>
+                </a:solidFill>
+              </a:rPr>
+              <a:t>protection</a:t>
+            </a:r>
+            <a:r>
+              <a:rPr lang="en-SE" sz="2400" dirty="0" smtClean="0">
+                <a:solidFill>
+                  <a:schemeClr val="dk1"/>
+                </a:solidFill>
+              </a:rPr>
+              <a:t> (MMU)</a:t>
+            </a:r>
+            <a:endParaRPr lang="en-US" sz="2400" dirty="0">
+              <a:solidFill>
+                <a:schemeClr val="dk1"/>
+              </a:solidFill>
+            </a:endParaRPr>
           </a:p>
           <a:p>
             <a:pPr marL="342900" indent="-171450">
@@ -11626,6 +11912,13 @@
   <p:transition spd="slow">
     <p:cut/>
   </p:transition>
+  <p:timing>
+    <p:tnLst>
+      <p:par>
+        <p:cTn id="1" dur="indefinite" restart="never" nodeType="tmRoot"/>
+      </p:par>
+    </p:tnLst>
+  </p:timing>
 </p:sld>
 </file>
 
@@ -11883,6 +12176,13 @@
   <p:transition spd="slow">
     <p:cut/>
   </p:transition>
+  <p:timing>
+    <p:tnLst>
+      <p:par>
+        <p:cTn id="1" dur="indefinite" restart="never" nodeType="tmRoot"/>
+      </p:par>
+    </p:tnLst>
+  </p:timing>
 </p:sld>
 </file>
 

--- a/InfoSec/PPTs/L12-CH12-OS Security.pptx
+++ b/InfoSec/PPTs/L12-CH12-OS Security.pptx
@@ -331,7 +331,7 @@
             <a:fld id="{999DDEF9-8F79-3F4A-8C1A-CB2E900DCD92}" type="datetimeFigureOut">
               <a:rPr lang="en-US" smtClean="0"/>
               <a:pPr/>
-              <a:t>6/4/2020</a:t>
+              <a:t>5/4/2021</a:t>
             </a:fld>
             <a:endParaRPr lang="en-US"/>
           </a:p>
@@ -6736,7 +6736,15 @@
           <a:p>
             <a:r>
               <a:rPr lang="en-US" dirty="0"/>
-              <a:t>ZJU 2020</a:t>
+              <a:t>ZJU </a:t>
+            </a:r>
+            <a:r>
+              <a:rPr lang="en-US" dirty="0" smtClean="0"/>
+              <a:t>202</a:t>
+            </a:r>
+            <a:r>
+              <a:rPr lang="en-SE" smtClean="0"/>
+              <a:t>1</a:t>
             </a:r>
             <a:endParaRPr lang="en-SE" dirty="0"/>
           </a:p>
@@ -7599,11 +7607,7 @@
             </a:r>
             <a:r>
               <a:rPr lang="en-US" sz="2400" dirty="0"/>
-              <a:t>physical memory </a:t>
-            </a:r>
-            <a:r>
-              <a:rPr lang="en-US" sz="2400" dirty="0"/>
-              <a:t>pages limit </a:t>
+              <a:t>physical memory pages limit </a:t>
             </a:r>
             <a:r>
               <a:rPr lang="en-US" sz="2400" b="1" dirty="0">

--- a/InfoSec/PPTs/L12-CH12-OS Security.pptx
+++ b/InfoSec/PPTs/L12-CH12-OS Security.pptx
@@ -331,7 +331,7 @@
             <a:fld id="{999DDEF9-8F79-3F4A-8C1A-CB2E900DCD92}" type="datetimeFigureOut">
               <a:rPr lang="en-US" smtClean="0"/>
               <a:pPr/>
-              <a:t>6/4/2020</a:t>
+              <a:t>5/4/2021</a:t>
             </a:fld>
             <a:endParaRPr lang="en-US"/>
           </a:p>
@@ -1409,10 +1409,6 @@
             <a:br>
               <a:rPr lang="en-US" dirty="0"/>
             </a:br>
-            <a:r>
-              <a:rPr lang="en-US" dirty="0"/>
-              <a:t/>
-            </a:r>
             <a:br>
               <a:rPr lang="en-US" dirty="0"/>
             </a:br>
@@ -1436,10 +1432,6 @@
               </a:spcBef>
               <a:buNone/>
             </a:pPr>
-            <a:r>
-              <a:rPr lang="en-US" dirty="0"/>
-              <a:t/>
-            </a:r>
             <a:br>
               <a:rPr lang="en-US" dirty="0"/>
             </a:br>
@@ -1450,10 +1442,6 @@
             <a:br>
               <a:rPr lang="en-US" dirty="0"/>
             </a:br>
-            <a:r>
-              <a:rPr lang="en-US" dirty="0"/>
-              <a:t/>
-            </a:r>
             <a:br>
               <a:rPr lang="en-US" dirty="0"/>
             </a:br>
@@ -6735,8 +6723,8 @@
           <a:lstStyle/>
           <a:p>
             <a:r>
-              <a:rPr lang="en-US" dirty="0"/>
-              <a:t>ZJU 2020</a:t>
+              <a:rPr lang="en-US"/>
+              <a:t>ZJU 2021</a:t>
             </a:r>
             <a:endParaRPr lang="en-SE" dirty="0"/>
           </a:p>
@@ -6773,13 +6761,6 @@
   <p:clrMapOvr>
     <a:masterClrMapping/>
   </p:clrMapOvr>
-  <p:timing>
-    <p:tnLst>
-      <p:par>
-        <p:cTn id="1" dur="indefinite" restart="never" nodeType="tmRoot"/>
-      </p:par>
-    </p:tnLst>
-  </p:timing>
 </p:sld>
 </file>
 
@@ -6979,13 +6960,6 @@
   <p:transition spd="slow">
     <p:cut/>
   </p:transition>
-  <p:timing>
-    <p:tnLst>
-      <p:par>
-        <p:cTn id="1" dur="indefinite" restart="never" nodeType="tmRoot"/>
-      </p:par>
-    </p:tnLst>
-  </p:timing>
 </p:sld>
 </file>
 
@@ -7234,13 +7208,6 @@
   <p:transition spd="slow">
     <p:cut/>
   </p:transition>
-  <p:timing>
-    <p:tnLst>
-      <p:par>
-        <p:cTn id="1" dur="indefinite" restart="never" nodeType="tmRoot"/>
-      </p:par>
-    </p:tnLst>
-  </p:timing>
 </p:sld>
 </file>
 
@@ -7320,29 +7287,13 @@
           <a:p>
             <a:r>
               <a:rPr lang="en-US" dirty="0"/>
-              <a:t>The OS Page Table maps logical virtual memory addresses (pages) into physical memory </a:t>
-            </a:r>
-            <a:r>
-              <a:rPr lang="en-US" dirty="0" smtClean="0"/>
-              <a:t>addresses </a:t>
-            </a:r>
+              <a:t>The OS Page Table maps logical virtual memory addresses (pages) into physical memory addresses (pages)</a:t>
+            </a:r>
+          </a:p>
+          <a:p>
             <a:r>
               <a:rPr lang="en-US" dirty="0"/>
-              <a:t>(pages)</a:t>
-            </a:r>
-          </a:p>
-          <a:p>
-            <a:r>
-              <a:rPr lang="en-US" dirty="0"/>
-              <a:t>Memory spaces of </a:t>
-            </a:r>
-            <a:r>
-              <a:rPr lang="en-US" dirty="0" smtClean="0"/>
-              <a:t>different </a:t>
-            </a:r>
-            <a:r>
-              <a:rPr lang="en-US" dirty="0"/>
-              <a:t>processes are mapped to different parts of the physical memory</a:t>
+              <a:t>Memory spaces of different processes are mapped to different parts of the physical memory</a:t>
             </a:r>
           </a:p>
           <a:p>
@@ -7452,13 +7403,6 @@
   <p:clrMapOvr>
     <a:masterClrMapping/>
   </p:clrMapOvr>
-  <p:timing>
-    <p:tnLst>
-      <p:par>
-        <p:cTn id="1" dur="indefinite" restart="never" nodeType="tmRoot"/>
-      </p:par>
-    </p:tnLst>
-  </p:timing>
 </p:sld>
 </file>
 
@@ -7587,23 +7531,15 @@
             </a:pPr>
             <a:r>
               <a:rPr lang="en-US" sz="2400" dirty="0"/>
-              <a:t>RWX bits </a:t>
-            </a:r>
-            <a:r>
-              <a:rPr lang="en-US" sz="2400" dirty="0" smtClean="0"/>
-              <a:t>on</a:t>
-            </a:r>
-            <a:r>
-              <a:rPr lang="en-SE" sz="2400" dirty="0" smtClean="0"/>
+              <a:t>RWX bits on</a:t>
+            </a:r>
+            <a:r>
+              <a:rPr lang="en-SE" sz="2400" dirty="0"/>
               <a:t> </a:t>
             </a:r>
             <a:r>
               <a:rPr lang="en-US" sz="2400" dirty="0"/>
-              <a:t>physical memory </a:t>
-            </a:r>
-            <a:r>
-              <a:rPr lang="en-US" sz="2400" dirty="0"/>
-              <a:t>pages limit </a:t>
+              <a:t>physical memory pages limit </a:t>
             </a:r>
             <a:r>
               <a:rPr lang="en-US" sz="2400" b="1" dirty="0">
@@ -7686,13 +7622,6 @@
   <p:transition spd="slow">
     <p:cut/>
   </p:transition>
-  <p:timing>
-    <p:tnLst>
-      <p:par>
-        <p:cTn id="1" dur="indefinite" restart="never" nodeType="tmRoot"/>
-      </p:par>
-    </p:tnLst>
-  </p:timing>
 </p:sld>
 </file>
 
@@ -7854,13 +7783,6 @@
   <p:clrMapOvr>
     <a:masterClrMapping/>
   </p:clrMapOvr>
-  <p:timing>
-    <p:tnLst>
-      <p:par>
-        <p:cTn id="1" dur="indefinite" restart="never" nodeType="tmRoot"/>
-      </p:par>
-    </p:tnLst>
-  </p:timing>
 </p:sld>
 </file>
 
@@ -8018,13 +7940,6 @@
   <p:transition spd="slow">
     <p:cut/>
   </p:transition>
-  <p:timing>
-    <p:tnLst>
-      <p:par>
-        <p:cTn id="1" dur="indefinite" restart="never" nodeType="tmRoot"/>
-      </p:par>
-    </p:tnLst>
-  </p:timing>
 </p:sld>
 </file>
 
@@ -8307,13 +8222,6 @@
   <p:transition spd="slow">
     <p:cut/>
   </p:transition>
-  <p:timing>
-    <p:tnLst>
-      <p:par>
-        <p:cTn id="1" dur="indefinite" restart="never" nodeType="tmRoot"/>
-      </p:par>
-    </p:tnLst>
-  </p:timing>
 </p:sld>
 </file>
 
@@ -8398,14 +8306,10 @@
             </a:pPr>
             <a:r>
               <a:rPr lang="en-US" dirty="0"/>
-              <a:t>Switching CPU from one process to another when a process blocks</a:t>
-            </a:r>
-            <a:r>
-              <a:rPr lang="en-US" dirty="0" smtClean="0"/>
-              <a:t>.</a:t>
-            </a:r>
-            <a:r>
-              <a:rPr lang="en-SE" dirty="0" smtClean="0"/>
+              <a:t>Switching CPU from one process to another when a process blocks.</a:t>
+            </a:r>
+            <a:r>
+              <a:rPr lang="en-SE" dirty="0"/>
               <a:t> (scheduler)</a:t>
             </a:r>
             <a:endParaRPr lang="en-US" dirty="0"/>
@@ -8504,13 +8408,6 @@
   <p:clrMapOvr>
     <a:masterClrMapping/>
   </p:clrMapOvr>
-  <p:timing>
-    <p:tnLst>
-      <p:par>
-        <p:cTn id="1" dur="indefinite" restart="never" nodeType="tmRoot"/>
-      </p:par>
-    </p:tnLst>
-  </p:timing>
 </p:sld>
 </file>
 
@@ -8637,13 +8534,6 @@
   <p:clrMapOvr>
     <a:masterClrMapping/>
   </p:clrMapOvr>
-  <p:timing>
-    <p:tnLst>
-      <p:par>
-        <p:cTn id="1" dur="indefinite" restart="never" nodeType="tmRoot"/>
-      </p:par>
-    </p:tnLst>
-  </p:timing>
 </p:sld>
 </file>
 
@@ -8865,13 +8755,6 @@
   <p:transition spd="slow">
     <p:cut/>
   </p:transition>
-  <p:timing>
-    <p:tnLst>
-      <p:par>
-        <p:cTn id="1" dur="indefinite" restart="never" nodeType="tmRoot"/>
-      </p:par>
-    </p:tnLst>
-  </p:timing>
 </p:sld>
 </file>
 
@@ -9011,13 +8894,6 @@
   <p:clrMapOvr>
     <a:masterClrMapping/>
   </p:clrMapOvr>
-  <p:timing>
-    <p:tnLst>
-      <p:par>
-        <p:cTn id="1" dur="indefinite" restart="never" nodeType="tmRoot"/>
-      </p:par>
-    </p:tnLst>
-  </p:timing>
 </p:sld>
 </file>
 
@@ -9197,26 +9073,18 @@
                   <a:srgbClr val="6B9462"/>
                 </a:solidFill>
               </a:rPr>
-              <a:t>cannot access physical </a:t>
-            </a:r>
-            <a:r>
-              <a:rPr lang="en-US" sz="2400" dirty="0" smtClean="0">
+              <a:t>cannot access physical resources</a:t>
+            </a:r>
+            <a:r>
+              <a:rPr lang="en-SE" sz="2400" dirty="0">
                 <a:solidFill>
                   <a:srgbClr val="6B9462"/>
                 </a:solidFill>
               </a:rPr>
-              <a:t>resources</a:t>
-            </a:r>
-            <a:r>
-              <a:rPr lang="en-SE" sz="2400" dirty="0" smtClean="0">
-                <a:solidFill>
-                  <a:srgbClr val="6B9462"/>
-                </a:solidFill>
-              </a:rPr>
               <a:t> directly</a:t>
             </a:r>
             <a:r>
-              <a:rPr lang="en-US" sz="2400" dirty="0" smtClean="0">
+              <a:rPr lang="en-US" sz="2400" dirty="0">
                 <a:solidFill>
                   <a:srgbClr val="6B9462"/>
                 </a:solidFill>
@@ -9258,13 +9126,6 @@
   <p:transition spd="slow">
     <p:cut/>
   </p:transition>
-  <p:timing>
-    <p:tnLst>
-      <p:par>
-        <p:cTn id="1" dur="indefinite" restart="never" nodeType="tmRoot"/>
-      </p:par>
-    </p:tnLst>
-  </p:timing>
 </p:sld>
 </file>
 
@@ -9416,13 +9277,6 @@
   <p:clrMapOvr>
     <a:masterClrMapping/>
   </p:clrMapOvr>
-  <p:timing>
-    <p:tnLst>
-      <p:par>
-        <p:cTn id="1" dur="indefinite" restart="never" nodeType="tmRoot"/>
-      </p:par>
-    </p:tnLst>
-  </p:timing>
 </p:sld>
 </file>
 
@@ -9647,13 +9501,6 @@
   <p:transition spd="slow">
     <p:cut/>
   </p:transition>
-  <p:timing>
-    <p:tnLst>
-      <p:par>
-        <p:cTn id="1" dur="indefinite" restart="never" nodeType="tmRoot"/>
-      </p:par>
-    </p:tnLst>
-  </p:timing>
 </p:sld>
 </file>
 
@@ -9877,13 +9724,6 @@
   <p:transition spd="slow">
     <p:cut/>
   </p:transition>
-  <p:timing>
-    <p:tnLst>
-      <p:par>
-        <p:cTn id="1" dur="indefinite" restart="never" nodeType="tmRoot"/>
-      </p:par>
-    </p:tnLst>
-  </p:timing>
 </p:sld>
 </file>
 
@@ -9983,14 +9823,10 @@
             <a:pPr lvl="1"/>
             <a:r>
               <a:rPr lang="en-US" dirty="0"/>
-              <a:t>KVM, </a:t>
-            </a:r>
-            <a:r>
-              <a:rPr lang="en-US" dirty="0" smtClean="0"/>
-              <a:t>VMWare</a:t>
-            </a:r>
-            <a:r>
-              <a:rPr lang="en-SE" dirty="0" smtClean="0"/>
+              <a:t>KVM, VMWare</a:t>
+            </a:r>
+            <a:r>
+              <a:rPr lang="en-SE" dirty="0"/>
               <a:t>, VirtualBox</a:t>
             </a:r>
             <a:endParaRPr lang="en-US" dirty="0"/>
@@ -10088,13 +9924,6 @@
   <p:clrMapOvr>
     <a:masterClrMapping/>
   </p:clrMapOvr>
-  <p:timing>
-    <p:tnLst>
-      <p:par>
-        <p:cTn id="1" dur="indefinite" restart="never" nodeType="tmRoot"/>
-      </p:par>
-    </p:tnLst>
-  </p:timing>
 </p:sld>
 </file>
 
@@ -10221,13 +10050,6 @@
   <p:clrMapOvr>
     <a:masterClrMapping/>
   </p:clrMapOvr>
-  <p:timing>
-    <p:tnLst>
-      <p:par>
-        <p:cTn id="1" dur="indefinite" restart="never" nodeType="tmRoot"/>
-      </p:par>
-    </p:tnLst>
-  </p:timing>
 </p:sld>
 </file>
 
@@ -10419,13 +10241,6 @@
   <p:transition spd="slow">
     <p:cut/>
   </p:transition>
-  <p:timing>
-    <p:tnLst>
-      <p:par>
-        <p:cTn id="1" dur="indefinite" restart="never" nodeType="tmRoot"/>
-      </p:par>
-    </p:tnLst>
-  </p:timing>
 </p:sld>
 </file>
 
@@ -10591,13 +10406,6 @@
   <p:clrMapOvr>
     <a:masterClrMapping/>
   </p:clrMapOvr>
-  <p:timing>
-    <p:tnLst>
-      <p:par>
-        <p:cTn id="1" dur="indefinite" restart="never" nodeType="tmRoot"/>
-      </p:par>
-    </p:tnLst>
-  </p:timing>
 </p:sld>
 </file>
 
@@ -10740,13 +10548,6 @@
   <p:clrMapOvr>
     <a:masterClrMapping/>
   </p:clrMapOvr>
-  <p:timing>
-    <p:tnLst>
-      <p:par>
-        <p:cTn id="1" dur="indefinite" restart="never" nodeType="tmRoot"/>
-      </p:par>
-    </p:tnLst>
-  </p:timing>
 </p:sld>
 </file>
 
@@ -10946,13 +10747,6 @@
   <p:transition spd="slow">
     <p:cut/>
   </p:transition>
-  <p:timing>
-    <p:tnLst>
-      <p:par>
-        <p:cTn id="1" dur="indefinite" restart="never" nodeType="tmRoot"/>
-      </p:par>
-    </p:tnLst>
-  </p:timing>
 </p:sld>
 </file>
 
@@ -11131,13 +10925,6 @@
   <p:clrMapOvr>
     <a:masterClrMapping/>
   </p:clrMapOvr>
-  <p:timing>
-    <p:tnLst>
-      <p:par>
-        <p:cTn id="1" dur="indefinite" restart="never" nodeType="tmRoot"/>
-      </p:par>
-    </p:tnLst>
-  </p:timing>
 </p:sld>
 </file>
 
@@ -11292,13 +11079,6 @@
   <p:clrMapOvr>
     <a:masterClrMapping/>
   </p:clrMapOvr>
-  <p:timing>
-    <p:tnLst>
-      <p:par>
-        <p:cTn id="1" dur="indefinite" restart="never" nodeType="tmRoot"/>
-      </p:par>
-    </p:tnLst>
-  </p:timing>
 </p:sld>
 </file>
 
@@ -11462,13 +11242,6 @@
   <p:clrMapOvr>
     <a:masterClrMapping/>
   </p:clrMapOvr>
-  <p:timing>
-    <p:tnLst>
-      <p:par>
-        <p:cTn id="1" dur="indefinite" restart="never" nodeType="tmRoot"/>
-      </p:par>
-    </p:tnLst>
-  </p:timing>
 </p:sld>
 </file>
 
@@ -11595,13 +11368,6 @@
   <p:clrMapOvr>
     <a:masterClrMapping/>
   </p:clrMapOvr>
-  <p:timing>
-    <p:tnLst>
-      <p:par>
-        <p:cTn id="1" dur="indefinite" restart="never" nodeType="tmRoot"/>
-      </p:par>
-    </p:tnLst>
-  </p:timing>
 </p:sld>
 </file>
 
@@ -11742,18 +11508,10 @@
                   <a:schemeClr val="dk1"/>
                 </a:solidFill>
               </a:rPr>
-              <a:t>Hardware support for memory </a:t>
-            </a:r>
-            <a:r>
-              <a:rPr lang="en-US" sz="2400" dirty="0" smtClean="0">
-                <a:solidFill>
-                  <a:schemeClr val="dk1"/>
-                </a:solidFill>
-              </a:rPr>
-              <a:t>protection</a:t>
-            </a:r>
-            <a:r>
-              <a:rPr lang="en-SE" sz="2400" dirty="0" smtClean="0">
+              <a:t>Hardware support for memory protection</a:t>
+            </a:r>
+            <a:r>
+              <a:rPr lang="en-SE" sz="2400" dirty="0">
                 <a:solidFill>
                   <a:schemeClr val="dk1"/>
                 </a:solidFill>
@@ -11912,13 +11670,6 @@
   <p:transition spd="slow">
     <p:cut/>
   </p:transition>
-  <p:timing>
-    <p:tnLst>
-      <p:par>
-        <p:cTn id="1" dur="indefinite" restart="never" nodeType="tmRoot"/>
-      </p:par>
-    </p:tnLst>
-  </p:timing>
 </p:sld>
 </file>
 
@@ -12176,13 +11927,6 @@
   <p:transition spd="slow">
     <p:cut/>
   </p:transition>
-  <p:timing>
-    <p:tnLst>
-      <p:par>
-        <p:cTn id="1" dur="indefinite" restart="never" nodeType="tmRoot"/>
-      </p:par>
-    </p:tnLst>
-  </p:timing>
 </p:sld>
 </file>
 

--- a/InfoSec/PPTs/L12-CH12-OS Security.pptx
+++ b/InfoSec/PPTs/L12-CH12-OS Security.pptx
@@ -331,7 +331,7 @@
             <a:fld id="{999DDEF9-8F79-3F4A-8C1A-CB2E900DCD92}" type="datetimeFigureOut">
               <a:rPr lang="en-US" smtClean="0"/>
               <a:pPr/>
-              <a:t>5/4/2021</a:t>
+              <a:t>3/24/2022</a:t>
             </a:fld>
             <a:endParaRPr lang="en-US"/>
           </a:p>
@@ -6723,10 +6723,17 @@
           <a:lstStyle/>
           <a:p>
             <a:r>
-              <a:rPr lang="en-US"/>
-              <a:t>ZJU 2021</a:t>
-            </a:r>
-            <a:endParaRPr lang="en-SE" dirty="0"/>
+              <a:rPr lang="en-US" altLang="zh-CN" kern="0" dirty="0"/>
+              <a:t>Zonghua Gu</a:t>
+            </a:r>
+            <a:endParaRPr lang="en-US" kern="0" dirty="0"/>
+          </a:p>
+          <a:p>
+            <a:r>
+              <a:rPr lang="en-US" kern="0"/>
+              <a:t>2018, ZJU</a:t>
+            </a:r>
+            <a:endParaRPr lang="en-SE" kern="0" dirty="0"/>
           </a:p>
         </p:txBody>
       </p:sp>

--- a/InfoSec/PPTs/L12-CH12-OS Security.pptx
+++ b/InfoSec/PPTs/L12-CH12-OS Security.pptx
@@ -331,7 +331,7 @@
             <a:fld id="{999DDEF9-8F79-3F4A-8C1A-CB2E900DCD92}" type="datetimeFigureOut">
               <a:rPr lang="en-US" smtClean="0"/>
               <a:pPr/>
-              <a:t>3/24/2022</a:t>
+              <a:t>3/27/2022</a:t>
             </a:fld>
             <a:endParaRPr lang="en-US"/>
           </a:p>
@@ -6731,7 +6731,11 @@
           <a:p>
             <a:r>
               <a:rPr lang="en-US" kern="0"/>
-              <a:t>2018, ZJU</a:t>
+              <a:t>2017, </a:t>
+            </a:r>
+            <a:r>
+              <a:rPr lang="en-US" kern="0" dirty="0"/>
+              <a:t>ZJU</a:t>
             </a:r>
             <a:endParaRPr lang="en-SE" kern="0" dirty="0"/>
           </a:p>
